--- a/L00/00-Presentacion dIOT-2023.pptx
+++ b/L00/00-Presentacion dIOT-2023.pptx
@@ -5,10 +5,10 @@
     <p:sldMasterId id="2147483660" r:id="rId1"/>
   </p:sldMasterIdLst>
   <p:notesMasterIdLst>
-    <p:notesMasterId r:id="rId25"/>
+    <p:notesMasterId r:id="rId26"/>
   </p:notesMasterIdLst>
   <p:handoutMasterIdLst>
-    <p:handoutMasterId r:id="rId26"/>
+    <p:handoutMasterId r:id="rId27"/>
   </p:handoutMasterIdLst>
   <p:sldIdLst>
     <p:sldId id="294" r:id="rId2"/>
@@ -33,7 +33,8 @@
     <p:sldId id="316" r:id="rId21"/>
     <p:sldId id="318" r:id="rId22"/>
     <p:sldId id="319" r:id="rId23"/>
-    <p:sldId id="295" r:id="rId24"/>
+    <p:sldId id="320" r:id="rId24"/>
+    <p:sldId id="295" r:id="rId25"/>
   </p:sldIdLst>
   <p:sldSz cx="9144000" cy="6858000" type="screen4x3"/>
   <p:notesSz cx="7315200" cy="9601200"/>
@@ -11340,6 +11341,297 @@
           <p:cNvPr id="2" name="Título 1">
             <a:extLst>
               <a:ext uri="{FF2B5EF4-FFF2-40B4-BE49-F238E27FC236}">
+                <a16:creationId xmlns:a16="http://schemas.microsoft.com/office/drawing/2014/main" id="{7DBDCC18-C6B0-DAF3-74A5-58B422CF2672}"/>
+              </a:ext>
+            </a:extLst>
+          </p:cNvPr>
+          <p:cNvSpPr>
+            <a:spLocks noGrp="1"/>
+          </p:cNvSpPr>
+          <p:nvPr>
+            <p:ph type="title"/>
+          </p:nvPr>
+        </p:nvSpPr>
+        <p:spPr>
+          <a:xfrm>
+            <a:off x="395536" y="400899"/>
+            <a:ext cx="6696744" cy="825272"/>
+          </a:xfrm>
+        </p:spPr>
+        <p:txBody>
+          <a:bodyPr>
+            <a:normAutofit fontScale="90000"/>
+          </a:bodyPr>
+          <a:lstStyle/>
+          <a:p>
+            <a:r>
+              <a:rPr lang="es-PY" dirty="0"/>
+              <a:t>Plataforma de Enseña a distancia</a:t>
+            </a:r>
+          </a:p>
+        </p:txBody>
+      </p:sp>
+      <p:sp>
+        <p:nvSpPr>
+          <p:cNvPr id="3" name="CuadroTexto 2">
+            <a:extLst>
+              <a:ext uri="{FF2B5EF4-FFF2-40B4-BE49-F238E27FC236}">
+                <a16:creationId xmlns:a16="http://schemas.microsoft.com/office/drawing/2014/main" id="{ABEF375E-A7DA-6890-0F89-57533DD956FB}"/>
+              </a:ext>
+            </a:extLst>
+          </p:cNvPr>
+          <p:cNvSpPr txBox="1"/>
+          <p:nvPr/>
+        </p:nvSpPr>
+        <p:spPr>
+          <a:xfrm>
+            <a:off x="467544" y="1582340"/>
+            <a:ext cx="7691874" cy="4108817"/>
+          </a:xfrm>
+          <a:prstGeom prst="rect">
+            <a:avLst/>
+          </a:prstGeom>
+          <a:noFill/>
+        </p:spPr>
+        <p:txBody>
+          <a:bodyPr wrap="square" rtlCol="0">
+            <a:spAutoFit/>
+          </a:bodyPr>
+          <a:lstStyle/>
+          <a:p>
+            <a:pPr>
+              <a:lnSpc>
+                <a:spcPct val="150000"/>
+              </a:lnSpc>
+            </a:pPr>
+            <a:r>
+              <a:rPr lang="es-MX" dirty="0">
+                <a:effectLst/>
+              </a:rPr>
+              <a:t>URL de Educa Grado: </a:t>
+            </a:r>
+            <a:r>
+              <a:rPr lang="es-MX" u="sng" dirty="0">
+                <a:solidFill>
+                  <a:srgbClr val="0070C0"/>
+                </a:solidFill>
+                <a:effectLst/>
+              </a:rPr>
+              <a:t>https://ead.pol.una.py/politecnica/my/ </a:t>
+            </a:r>
+            <a:endParaRPr lang="es-MX" dirty="0">
+              <a:solidFill>
+                <a:srgbClr val="0070C0"/>
+              </a:solidFill>
+            </a:endParaRPr>
+          </a:p>
+          <a:p>
+            <a:pPr>
+              <a:lnSpc>
+                <a:spcPct val="150000"/>
+              </a:lnSpc>
+            </a:pPr>
+            <a:r>
+              <a:rPr lang="es-MX" dirty="0">
+                <a:solidFill>
+                  <a:srgbClr val="FF0000"/>
+                </a:solidFill>
+                <a:effectLst/>
+              </a:rPr>
+              <a:t>Los cursos se encuentran dentro de la categoría Postgrado - Diplomados MITIC - FPUNA </a:t>
+            </a:r>
+            <a:endParaRPr lang="es-MX" dirty="0">
+              <a:solidFill>
+                <a:srgbClr val="FF0000"/>
+              </a:solidFill>
+            </a:endParaRPr>
+          </a:p>
+          <a:p>
+            <a:pPr>
+              <a:lnSpc>
+                <a:spcPct val="150000"/>
+              </a:lnSpc>
+            </a:pPr>
+            <a:r>
+              <a:rPr lang="es-MX" dirty="0">
+                <a:effectLst/>
+              </a:rPr>
+              <a:t>Enlace a la categoría: </a:t>
+            </a:r>
+            <a:r>
+              <a:rPr lang="es-MX" dirty="0">
+                <a:solidFill>
+                  <a:srgbClr val="0070C0"/>
+                </a:solidFill>
+                <a:effectLst/>
+              </a:rPr>
+              <a:t>https://ead.pol.una.py/politecnica/course/index.php?categoryid=127 </a:t>
+            </a:r>
+            <a:endParaRPr lang="es-MX" dirty="0">
+              <a:solidFill>
+                <a:srgbClr val="0070C0"/>
+              </a:solidFill>
+            </a:endParaRPr>
+          </a:p>
+          <a:p>
+            <a:pPr>
+              <a:lnSpc>
+                <a:spcPct val="150000"/>
+              </a:lnSpc>
+            </a:pPr>
+            <a:endParaRPr lang="es-MX" dirty="0">
+              <a:effectLst/>
+            </a:endParaRPr>
+          </a:p>
+          <a:p>
+            <a:pPr>
+              <a:lnSpc>
+                <a:spcPct val="150000"/>
+              </a:lnSpc>
+            </a:pPr>
+            <a:r>
+              <a:rPr lang="es-MX" u="sng" dirty="0">
+                <a:effectLst/>
+              </a:rPr>
+              <a:t>Detalles de los cursos</a:t>
+            </a:r>
+            <a:r>
+              <a:rPr lang="es-MX" dirty="0">
+                <a:effectLst/>
+              </a:rPr>
+              <a:t>: </a:t>
+            </a:r>
+            <a:endParaRPr lang="es-MX" dirty="0"/>
+          </a:p>
+          <a:p>
+            <a:pPr>
+              <a:lnSpc>
+                <a:spcPct val="150000"/>
+              </a:lnSpc>
+            </a:pPr>
+            <a:r>
+              <a:rPr lang="es-MX" dirty="0">
+                <a:effectLst/>
+              </a:rPr>
+              <a:t>Nombre del curso: </a:t>
+            </a:r>
+            <a:r>
+              <a:rPr lang="es-MX" b="1" dirty="0" err="1">
+                <a:solidFill>
+                  <a:srgbClr val="FF0000"/>
+                </a:solidFill>
+                <a:effectLst/>
+              </a:rPr>
+              <a:t>IoT</a:t>
+            </a:r>
+            <a:r>
+              <a:rPr lang="es-MX" b="1" dirty="0">
+                <a:solidFill>
+                  <a:srgbClr val="FF0000"/>
+                </a:solidFill>
+                <a:effectLst/>
+              </a:rPr>
+              <a:t> - Internet de las Cosas </a:t>
+            </a:r>
+            <a:endParaRPr lang="es-MX" b="1" dirty="0">
+              <a:solidFill>
+                <a:srgbClr val="FF0000"/>
+              </a:solidFill>
+            </a:endParaRPr>
+          </a:p>
+          <a:p>
+            <a:pPr>
+              <a:lnSpc>
+                <a:spcPct val="150000"/>
+              </a:lnSpc>
+            </a:pPr>
+            <a:r>
+              <a:rPr lang="es-MX" dirty="0">
+                <a:effectLst/>
+              </a:rPr>
+              <a:t>Nombre corto del curso: </a:t>
+            </a:r>
+            <a:r>
+              <a:rPr lang="es-MX" dirty="0" err="1">
+                <a:effectLst/>
+              </a:rPr>
+              <a:t>IoT</a:t>
+            </a:r>
+            <a:r>
+              <a:rPr lang="es-MX" dirty="0">
+                <a:effectLst/>
+              </a:rPr>
+              <a:t> </a:t>
+            </a:r>
+            <a:endParaRPr lang="es-MX" dirty="0"/>
+          </a:p>
+          <a:p>
+            <a:pPr>
+              <a:lnSpc>
+                <a:spcPct val="150000"/>
+              </a:lnSpc>
+            </a:pPr>
+            <a:r>
+              <a:rPr lang="es-MX" dirty="0">
+                <a:effectLst/>
+              </a:rPr>
+              <a:t>Dirección URL del curso: </a:t>
+            </a:r>
+            <a:r>
+              <a:rPr lang="es-MX" dirty="0">
+                <a:solidFill>
+                  <a:srgbClr val="0070C0"/>
+                </a:solidFill>
+                <a:effectLst/>
+              </a:rPr>
+              <a:t>https://ead.pol.una.py/politecnica/course/view.php?id=7184</a:t>
+            </a:r>
+            <a:endParaRPr lang="es-MX" dirty="0">
+              <a:solidFill>
+                <a:srgbClr val="0070C0"/>
+              </a:solidFill>
+            </a:endParaRPr>
+          </a:p>
+          <a:p>
+            <a:endParaRPr lang="es-PY" dirty="0"/>
+          </a:p>
+        </p:txBody>
+      </p:sp>
+    </p:spTree>
+    <p:extLst>
+      <p:ext uri="{BB962C8B-B14F-4D97-AF65-F5344CB8AC3E}">
+        <p14:creationId xmlns:p14="http://schemas.microsoft.com/office/powerpoint/2010/main" val="3409772057"/>
+      </p:ext>
+    </p:extLst>
+  </p:cSld>
+  <p:clrMapOvr>
+    <a:masterClrMapping/>
+  </p:clrMapOvr>
+</p:sld>
+</file>
+
+<file path=ppt/slides/slide24.xml><?xml version="1.0" encoding="utf-8"?>
+<p:sld xmlns:a="http://schemas.openxmlformats.org/drawingml/2006/main" xmlns:r="http://schemas.openxmlformats.org/officeDocument/2006/relationships" xmlns:p="http://schemas.openxmlformats.org/presentationml/2006/main">
+  <p:cSld>
+    <p:spTree>
+      <p:nvGrpSpPr>
+        <p:cNvPr id="1" name=""/>
+        <p:cNvGrpSpPr/>
+        <p:nvPr/>
+      </p:nvGrpSpPr>
+      <p:grpSpPr>
+        <a:xfrm>
+          <a:off x="0" y="0"/>
+          <a:ext cx="0" cy="0"/>
+          <a:chOff x="0" y="0"/>
+          <a:chExt cx="0" cy="0"/>
+        </a:xfrm>
+      </p:grpSpPr>
+      <p:sp>
+        <p:nvSpPr>
+          <p:cNvPr id="2" name="Título 1">
+            <a:extLst>
+              <a:ext uri="{FF2B5EF4-FFF2-40B4-BE49-F238E27FC236}">
                 <a16:creationId xmlns:a16="http://schemas.microsoft.com/office/drawing/2014/main" id="{DBB69691-6DDA-6341-9A23-5B641C4F1944}"/>
               </a:ext>
             </a:extLst>

--- a/L00/00-Presentacion dIOT-2023.pptx
+++ b/L00/00-Presentacion dIOT-2023.pptx
@@ -155,6 +155,138 @@
 </p:presentation>
 </file>
 
+<file path=ppt/revisionInfo.xml><?xml version="1.0" encoding="utf-8"?>
+<p1510:revInfo xmlns:a="http://schemas.openxmlformats.org/drawingml/2006/main" xmlns:r="http://schemas.openxmlformats.org/officeDocument/2006/relationships" xmlns:p1510="http://schemas.microsoft.com/office/powerpoint/2015/10/main">
+  <p1510:revLst>
+    <p1510:client id="{DF79E402-351F-4C90-A302-382752F0DF24}" v="1" dt="2023-05-11T20:56:26.320"/>
+  </p1510:revLst>
+</p1510:revInfo>
+</file>
+
+<file path=ppt/changesInfos/changesInfo1.xml><?xml version="1.0" encoding="utf-8"?>
+<pc:chgInfo xmlns:a="http://schemas.openxmlformats.org/drawingml/2006/main" xmlns:r="http://schemas.openxmlformats.org/officeDocument/2006/relationships" xmlns:ac="http://schemas.microsoft.com/office/drawing/2013/main/command" xmlns:pc="http://schemas.microsoft.com/office/powerpoint/2013/main/command">
+  <pc:docChgLst>
+    <pc:chgData name="Gregorio Ariel Guerrero Moral" userId="82482f2c-2662-4bc3-b06e-2fa762521b9f" providerId="ADAL" clId="{DF79E402-351F-4C90-A302-382752F0DF24}"/>
+    <pc:docChg chg="custSel modSld">
+      <pc:chgData name="Gregorio Ariel Guerrero Moral" userId="82482f2c-2662-4bc3-b06e-2fa762521b9f" providerId="ADAL" clId="{DF79E402-351F-4C90-A302-382752F0DF24}" dt="2023-05-11T20:56:54.970" v="23" actId="313"/>
+      <pc:docMkLst>
+        <pc:docMk/>
+      </pc:docMkLst>
+      <pc:sldChg chg="addSp delSp modSp mod">
+        <pc:chgData name="Gregorio Ariel Guerrero Moral" userId="82482f2c-2662-4bc3-b06e-2fa762521b9f" providerId="ADAL" clId="{DF79E402-351F-4C90-A302-382752F0DF24}" dt="2023-05-11T20:56:40.880" v="22" actId="1076"/>
+        <pc:sldMkLst>
+          <pc:docMk/>
+          <pc:sldMk cId="4204507804" sldId="294"/>
+        </pc:sldMkLst>
+        <pc:spChg chg="del">
+          <ac:chgData name="Gregorio Ariel Guerrero Moral" userId="82482f2c-2662-4bc3-b06e-2fa762521b9f" providerId="ADAL" clId="{DF79E402-351F-4C90-A302-382752F0DF24}" dt="2023-05-11T20:55:55.921" v="15" actId="478"/>
+          <ac:spMkLst>
+            <pc:docMk/>
+            <pc:sldMk cId="4204507804" sldId="294"/>
+            <ac:spMk id="5" creationId="{BB6AB3B2-2539-4D5E-0A9B-F74B76B9034B}"/>
+          </ac:spMkLst>
+        </pc:spChg>
+        <pc:spChg chg="mod">
+          <ac:chgData name="Gregorio Ariel Guerrero Moral" userId="82482f2c-2662-4bc3-b06e-2fa762521b9f" providerId="ADAL" clId="{DF79E402-351F-4C90-A302-382752F0DF24}" dt="2023-05-11T20:56:00.712" v="16" actId="1076"/>
+          <ac:spMkLst>
+            <pc:docMk/>
+            <pc:sldMk cId="4204507804" sldId="294"/>
+            <ac:spMk id="6" creationId="{4B5AC01B-F4F8-89E4-E7E1-0EBE95F6E26F}"/>
+          </ac:spMkLst>
+        </pc:spChg>
+        <pc:picChg chg="add mod">
+          <ac:chgData name="Gregorio Ariel Guerrero Moral" userId="82482f2c-2662-4bc3-b06e-2fa762521b9f" providerId="ADAL" clId="{DF79E402-351F-4C90-A302-382752F0DF24}" dt="2023-05-11T20:56:40.880" v="22" actId="1076"/>
+          <ac:picMkLst>
+            <pc:docMk/>
+            <pc:sldMk cId="4204507804" sldId="294"/>
+            <ac:picMk id="3" creationId="{F916CC14-86C9-936E-9289-2529456849B0}"/>
+          </ac:picMkLst>
+        </pc:picChg>
+        <pc:picChg chg="mod">
+          <ac:chgData name="Gregorio Ariel Guerrero Moral" userId="82482f2c-2662-4bc3-b06e-2fa762521b9f" providerId="ADAL" clId="{DF79E402-351F-4C90-A302-382752F0DF24}" dt="2023-05-11T20:56:05.579" v="17" actId="1076"/>
+          <ac:picMkLst>
+            <pc:docMk/>
+            <pc:sldMk cId="4204507804" sldId="294"/>
+            <ac:picMk id="4" creationId="{B51D2E55-FC33-200D-EE50-2C6755DF12E2}"/>
+          </ac:picMkLst>
+        </pc:picChg>
+      </pc:sldChg>
+      <pc:sldChg chg="addSp modSp mod">
+        <pc:chgData name="Gregorio Ariel Guerrero Moral" userId="82482f2c-2662-4bc3-b06e-2fa762521b9f" providerId="ADAL" clId="{DF79E402-351F-4C90-A302-382752F0DF24}" dt="2023-05-11T20:56:54.970" v="23" actId="313"/>
+        <pc:sldMkLst>
+          <pc:docMk/>
+          <pc:sldMk cId="602351513" sldId="295"/>
+        </pc:sldMkLst>
+        <pc:spChg chg="mod">
+          <ac:chgData name="Gregorio Ariel Guerrero Moral" userId="82482f2c-2662-4bc3-b06e-2fa762521b9f" providerId="ADAL" clId="{DF79E402-351F-4C90-A302-382752F0DF24}" dt="2023-05-11T20:56:54.970" v="23" actId="313"/>
+          <ac:spMkLst>
+            <pc:docMk/>
+            <pc:sldMk cId="602351513" sldId="295"/>
+            <ac:spMk id="2" creationId="{DBB69691-6DDA-6341-9A23-5B641C4F1944}"/>
+          </ac:spMkLst>
+        </pc:spChg>
+        <pc:spChg chg="mod">
+          <ac:chgData name="Gregorio Ariel Guerrero Moral" userId="82482f2c-2662-4bc3-b06e-2fa762521b9f" providerId="ADAL" clId="{DF79E402-351F-4C90-A302-382752F0DF24}" dt="2023-05-11T20:55:29.159" v="11" actId="1076"/>
+          <ac:spMkLst>
+            <pc:docMk/>
+            <pc:sldMk cId="602351513" sldId="295"/>
+            <ac:spMk id="4" creationId="{021AF24A-52BC-892C-5E0C-B9437022CFBB}"/>
+          </ac:spMkLst>
+        </pc:spChg>
+        <pc:spChg chg="mod">
+          <ac:chgData name="Gregorio Ariel Guerrero Moral" userId="82482f2c-2662-4bc3-b06e-2fa762521b9f" providerId="ADAL" clId="{DF79E402-351F-4C90-A302-382752F0DF24}" dt="2023-05-11T20:55:29.159" v="11" actId="1076"/>
+          <ac:spMkLst>
+            <pc:docMk/>
+            <pc:sldMk cId="602351513" sldId="295"/>
+            <ac:spMk id="5" creationId="{ABAB9267-5F45-D5BB-7379-B48B6047F4DA}"/>
+          </ac:spMkLst>
+        </pc:spChg>
+        <pc:spChg chg="add mod">
+          <ac:chgData name="Gregorio Ariel Guerrero Moral" userId="82482f2c-2662-4bc3-b06e-2fa762521b9f" providerId="ADAL" clId="{DF79E402-351F-4C90-A302-382752F0DF24}" dt="2023-05-11T20:55:29.159" v="11" actId="1076"/>
+          <ac:spMkLst>
+            <pc:docMk/>
+            <pc:sldMk cId="602351513" sldId="295"/>
+            <ac:spMk id="6" creationId="{66A5ABBD-3456-EF31-F9E0-A5C7304B1D71}"/>
+          </ac:spMkLst>
+        </pc:spChg>
+        <pc:spChg chg="mod">
+          <ac:chgData name="Gregorio Ariel Guerrero Moral" userId="82482f2c-2662-4bc3-b06e-2fa762521b9f" providerId="ADAL" clId="{DF79E402-351F-4C90-A302-382752F0DF24}" dt="2023-05-11T20:55:29.159" v="11" actId="1076"/>
+          <ac:spMkLst>
+            <pc:docMk/>
+            <pc:sldMk cId="602351513" sldId="295"/>
+            <ac:spMk id="8" creationId="{1106B226-2F9F-0B38-6DB0-7F1CD813526F}"/>
+          </ac:spMkLst>
+        </pc:spChg>
+        <pc:spChg chg="mod">
+          <ac:chgData name="Gregorio Ariel Guerrero Moral" userId="82482f2c-2662-4bc3-b06e-2fa762521b9f" providerId="ADAL" clId="{DF79E402-351F-4C90-A302-382752F0DF24}" dt="2023-05-11T20:54:18.136" v="3" actId="1076"/>
+          <ac:spMkLst>
+            <pc:docMk/>
+            <pc:sldMk cId="602351513" sldId="295"/>
+            <ac:spMk id="11" creationId="{98F1716A-B1EF-6442-92FD-9848BE0B5064}"/>
+          </ac:spMkLst>
+        </pc:spChg>
+        <pc:spChg chg="mod">
+          <ac:chgData name="Gregorio Ariel Guerrero Moral" userId="82482f2c-2662-4bc3-b06e-2fa762521b9f" providerId="ADAL" clId="{DF79E402-351F-4C90-A302-382752F0DF24}" dt="2023-05-11T20:55:39.680" v="13" actId="1076"/>
+          <ac:spMkLst>
+            <pc:docMk/>
+            <pc:sldMk cId="602351513" sldId="295"/>
+            <ac:spMk id="13" creationId="{80752E9B-900B-1941-91BF-12A2ECDE83BE}"/>
+          </ac:spMkLst>
+        </pc:spChg>
+        <pc:picChg chg="mod">
+          <ac:chgData name="Gregorio Ariel Guerrero Moral" userId="82482f2c-2662-4bc3-b06e-2fa762521b9f" providerId="ADAL" clId="{DF79E402-351F-4C90-A302-382752F0DF24}" dt="2023-05-11T20:55:43.169" v="14" actId="1076"/>
+          <ac:picMkLst>
+            <pc:docMk/>
+            <pc:sldMk cId="602351513" sldId="295"/>
+            <ac:picMk id="12" creationId="{059B3243-87B1-6D4D-86D2-4DD238DEF5E4}"/>
+          </ac:picMkLst>
+        </pc:picChg>
+      </pc:sldChg>
+    </pc:docChg>
+  </pc:docChgLst>
+</pc:chgInfo>
+</file>
+
 <file path=ppt/handoutMasters/handoutMaster1.xml><?xml version="1.0" encoding="utf-8"?>
 <p:handoutMaster xmlns:a="http://schemas.openxmlformats.org/drawingml/2006/main" xmlns:r="http://schemas.openxmlformats.org/officeDocument/2006/relationships" xmlns:p="http://schemas.openxmlformats.org/presentationml/2006/main">
   <p:cSld>
@@ -240,7 +372,7 @@
           <a:p>
             <a:fld id="{C7B76BB3-96B4-D949-BA97-2F034CC20E35}" type="datetimeFigureOut">
               <a:rPr lang="es-ES_tradnl" smtClean="0"/>
-              <a:t>10/05/2023</a:t>
+              <a:t>11/05/2023</a:t>
             </a:fld>
             <a:endParaRPr lang="es-ES_tradnl"/>
           </a:p>
@@ -413,7 +545,7 @@
           <a:p>
             <a:fld id="{BC3897DA-3038-2943-8BC6-34E6C6DE6379}" type="datetimeFigureOut">
               <a:rPr lang="es-ES_tradnl" smtClean="0"/>
-              <a:t>10/05/2023</a:t>
+              <a:t>11/05/2023</a:t>
             </a:fld>
             <a:endParaRPr lang="es-ES_tradnl"/>
           </a:p>
@@ -875,7 +1007,7 @@
             <a:fld id="{75EEBB46-7A81-4557-A313-00D814F92FCC}" type="datetimeFigureOut">
               <a:rPr lang="es-ES" smtClean="0"/>
               <a:pPr/>
-              <a:t>10/05/2023</a:t>
+              <a:t>11/05/2023</a:t>
             </a:fld>
             <a:endParaRPr lang="es-ES"/>
           </a:p>
@@ -1238,7 +1370,7 @@
             <a:fld id="{75EEBB46-7A81-4557-A313-00D814F92FCC}" type="datetimeFigureOut">
               <a:rPr lang="es-ES" smtClean="0"/>
               <a:pPr/>
-              <a:t>10/05/2023</a:t>
+              <a:t>11/05/2023</a:t>
             </a:fld>
             <a:endParaRPr lang="es-ES"/>
           </a:p>
@@ -1423,7 +1555,7 @@
             <a:fld id="{75EEBB46-7A81-4557-A313-00D814F92FCC}" type="datetimeFigureOut">
               <a:rPr lang="es-ES" smtClean="0"/>
               <a:pPr/>
-              <a:t>10/05/2023</a:t>
+              <a:t>11/05/2023</a:t>
             </a:fld>
             <a:endParaRPr lang="es-ES"/>
           </a:p>
@@ -1546,7 +1678,7 @@
             <a:fld id="{75EEBB46-7A81-4557-A313-00D814F92FCC}" type="datetimeFigureOut">
               <a:rPr lang="es-ES" smtClean="0"/>
               <a:pPr/>
-              <a:t>10/05/2023</a:t>
+              <a:t>11/05/2023</a:t>
             </a:fld>
             <a:endParaRPr lang="es-ES"/>
           </a:p>
@@ -1914,7 +2046,7 @@
             <a:fld id="{75EEBB46-7A81-4557-A313-00D814F92FCC}" type="datetimeFigureOut">
               <a:rPr lang="es-ES" smtClean="0"/>
               <a:pPr/>
-              <a:t>10/05/2023</a:t>
+              <a:t>11/05/2023</a:t>
             </a:fld>
             <a:endParaRPr lang="es-ES"/>
           </a:p>
@@ -2189,7 +2321,7 @@
             <a:fld id="{75EEBB46-7A81-4557-A313-00D814F92FCC}" type="datetimeFigureOut">
               <a:rPr lang="es-ES" smtClean="0"/>
               <a:pPr/>
-              <a:t>10/05/2023</a:t>
+              <a:t>11/05/2023</a:t>
             </a:fld>
             <a:endParaRPr lang="es-ES"/>
           </a:p>
@@ -2561,7 +2693,7 @@
             <a:fld id="{75EEBB46-7A81-4557-A313-00D814F92FCC}" type="datetimeFigureOut">
               <a:rPr lang="es-ES" smtClean="0"/>
               <a:pPr/>
-              <a:t>10/05/2023</a:t>
+              <a:t>11/05/2023</a:t>
             </a:fld>
             <a:endParaRPr lang="es-ES"/>
           </a:p>
@@ -2798,7 +2930,7 @@
             <a:fld id="{75EEBB46-7A81-4557-A313-00D814F92FCC}" type="datetimeFigureOut">
               <a:rPr lang="es-ES" smtClean="0"/>
               <a:pPr/>
-              <a:t>10/05/2023</a:t>
+              <a:t>11/05/2023</a:t>
             </a:fld>
             <a:endParaRPr lang="es-ES"/>
           </a:p>
@@ -2898,7 +3030,7 @@
             <a:fld id="{75EEBB46-7A81-4557-A313-00D814F92FCC}" type="datetimeFigureOut">
               <a:rPr lang="es-ES" smtClean="0"/>
               <a:pPr/>
-              <a:t>10/05/2023</a:t>
+              <a:t>11/05/2023</a:t>
             </a:fld>
             <a:endParaRPr lang="es-ES"/>
           </a:p>
@@ -3175,7 +3307,7 @@
             <a:fld id="{75EEBB46-7A81-4557-A313-00D814F92FCC}" type="datetimeFigureOut">
               <a:rPr lang="es-ES" smtClean="0"/>
               <a:pPr/>
-              <a:t>10/05/2023</a:t>
+              <a:t>11/05/2023</a:t>
             </a:fld>
             <a:endParaRPr lang="es-ES"/>
           </a:p>
@@ -3413,7 +3545,7 @@
             <a:fld id="{75EEBB46-7A81-4557-A313-00D814F92FCC}" type="datetimeFigureOut">
               <a:rPr lang="es-ES" smtClean="0"/>
               <a:pPr/>
-              <a:t>10/05/2023</a:t>
+              <a:t>11/05/2023</a:t>
             </a:fld>
             <a:endParaRPr lang="es-ES"/>
           </a:p>
@@ -3914,7 +4046,7 @@
             <a:fld id="{75EEBB46-7A81-4557-A313-00D814F92FCC}" type="datetimeFigureOut">
               <a:rPr lang="es-ES" smtClean="0"/>
               <a:pPr/>
-              <a:t>10/05/2023</a:t>
+              <a:t>11/05/2023</a:t>
             </a:fld>
             <a:endParaRPr lang="es-ES"/>
           </a:p>
@@ -4662,7 +4794,7 @@
         </p:blipFill>
         <p:spPr>
           <a:xfrm>
-            <a:off x="4067944" y="314842"/>
+            <a:off x="179512" y="443724"/>
             <a:ext cx="800100" cy="279400"/>
           </a:xfrm>
           <a:prstGeom prst="rect">
@@ -4684,7 +4816,7 @@
         </p:nvSpPr>
         <p:spPr>
           <a:xfrm>
-            <a:off x="2483768" y="710235"/>
+            <a:off x="65406" y="757492"/>
             <a:ext cx="4572000" cy="646331"/>
           </a:xfrm>
           <a:prstGeom prst="rect">
@@ -4704,51 +4836,36 @@
           </a:p>
         </p:txBody>
       </p:sp>
-      <p:sp>
-        <p:nvSpPr>
-          <p:cNvPr id="5" name="CuadroTexto 4">
+      <p:pic>
+        <p:nvPicPr>
+          <p:cNvPr id="3" name="Imagen 2">
             <a:extLst>
               <a:ext uri="{FF2B5EF4-FFF2-40B4-BE49-F238E27FC236}">
-                <a16:creationId xmlns:a16="http://schemas.microsoft.com/office/drawing/2014/main" id="{BB6AB3B2-2539-4D5E-0A9B-F74B76B9034B}"/>
+                <a16:creationId xmlns:a16="http://schemas.microsoft.com/office/drawing/2014/main" id="{F916CC14-86C9-936E-9289-2529456849B0}"/>
               </a:ext>
             </a:extLst>
           </p:cNvPr>
-          <p:cNvSpPr txBox="1"/>
+          <p:cNvPicPr>
+            <a:picLocks noChangeAspect="1"/>
+          </p:cNvPicPr>
           <p:nvPr/>
-        </p:nvSpPr>
+        </p:nvPicPr>
+        <p:blipFill>
+          <a:blip r:embed="rId4"/>
+          <a:stretch>
+            <a:fillRect/>
+          </a:stretch>
+        </p:blipFill>
         <p:spPr>
           <a:xfrm>
-            <a:off x="1781944" y="6136653"/>
-            <a:ext cx="4572000" cy="369332"/>
+            <a:off x="6453064" y="152841"/>
+            <a:ext cx="2520281" cy="1250982"/>
           </a:xfrm>
           <a:prstGeom prst="rect">
             <a:avLst/>
           </a:prstGeom>
-          <a:noFill/>
         </p:spPr>
-        <p:txBody>
-          <a:bodyPr wrap="square">
-            <a:spAutoFit/>
-          </a:bodyPr>
-          <a:lstStyle/>
-          <a:p>
-            <a:r>
-              <a:rPr lang="es-PY" b="1" dirty="0">
-                <a:solidFill>
-                  <a:srgbClr val="0070C0"/>
-                </a:solidFill>
-                <a:hlinkClick r:id="rId4"/>
-              </a:rPr>
-              <a:t>https://github.com/aegiloru/dIOT_2023</a:t>
-            </a:r>
-            <a:endParaRPr lang="es-PY" b="1" dirty="0">
-              <a:solidFill>
-                <a:srgbClr val="0070C0"/>
-              </a:solidFill>
-            </a:endParaRPr>
-          </a:p>
-        </p:txBody>
-      </p:sp>
+      </p:pic>
     </p:spTree>
     <p:extLst>
       <p:ext uri="{BB962C8B-B14F-4D97-AF65-F5344CB8AC3E}">
@@ -11643,14 +11760,19 @@
             <p:ph type="title"/>
           </p:nvPr>
         </p:nvSpPr>
-        <p:spPr/>
+        <p:spPr>
+          <a:xfrm>
+            <a:off x="108069" y="1022289"/>
+            <a:ext cx="7772400" cy="1362075"/>
+          </a:xfrm>
+        </p:spPr>
         <p:txBody>
           <a:bodyPr/>
           <a:lstStyle/>
           <a:p>
             <a:r>
-              <a:rPr lang="es-ES" dirty="0" err="1"/>
-              <a:t>Creditos</a:t>
+              <a:rPr lang="es-ES" dirty="0"/>
+              <a:t>Créditos</a:t>
             </a:r>
             <a:endParaRPr lang="es-PY" dirty="0"/>
           </a:p>
@@ -11672,7 +11794,7 @@
         </p:nvSpPr>
         <p:spPr>
           <a:xfrm>
-            <a:off x="2699792" y="4690824"/>
+            <a:off x="5967721" y="430344"/>
             <a:ext cx="3184358" cy="1451973"/>
           </a:xfrm>
           <a:prstGeom prst="rect">
@@ -11946,7 +12068,7 @@
         </p:blipFill>
         <p:spPr>
           <a:xfrm>
-            <a:off x="4067944" y="397273"/>
+            <a:off x="323528" y="503658"/>
             <a:ext cx="800100" cy="279400"/>
           </a:xfrm>
           <a:prstGeom prst="rect">
@@ -11968,7 +12090,7 @@
         </p:nvSpPr>
         <p:spPr>
           <a:xfrm>
-            <a:off x="2483768" y="764704"/>
+            <a:off x="124111" y="850629"/>
             <a:ext cx="4572000" cy="646331"/>
           </a:xfrm>
           <a:prstGeom prst="rect">
@@ -12002,7 +12124,7 @@
         </p:nvSpPr>
         <p:spPr>
           <a:xfrm>
-            <a:off x="827584" y="2868256"/>
+            <a:off x="261646" y="2836731"/>
             <a:ext cx="4572000" cy="369332"/>
           </a:xfrm>
           <a:prstGeom prst="rect">
@@ -12037,7 +12159,7 @@
         </p:nvSpPr>
         <p:spPr>
           <a:xfrm>
-            <a:off x="801401" y="3246570"/>
+            <a:off x="261646" y="3807880"/>
             <a:ext cx="5166320" cy="369332"/>
           </a:xfrm>
           <a:prstGeom prst="rect">
@@ -12072,7 +12194,7 @@
         </p:nvSpPr>
         <p:spPr>
           <a:xfrm>
-            <a:off x="839377" y="3629745"/>
+            <a:off x="261646" y="3160447"/>
             <a:ext cx="3732623" cy="369332"/>
           </a:xfrm>
           <a:prstGeom prst="rect">
@@ -12089,6 +12211,41 @@
             <a:r>
               <a:rPr lang="es-PY" dirty="0"/>
               <a:t>https://github.com/aegiloru/dIOT_2023</a:t>
+            </a:r>
+          </a:p>
+        </p:txBody>
+      </p:sp>
+      <p:sp>
+        <p:nvSpPr>
+          <p:cNvPr id="6" name="CuadroTexto 5">
+            <a:extLst>
+              <a:ext uri="{FF2B5EF4-FFF2-40B4-BE49-F238E27FC236}">
+                <a16:creationId xmlns:a16="http://schemas.microsoft.com/office/drawing/2014/main" id="{66A5ABBD-3456-EF31-F9E0-A5C7304B1D71}"/>
+              </a:ext>
+            </a:extLst>
+          </p:cNvPr>
+          <p:cNvSpPr txBox="1"/>
+          <p:nvPr/>
+        </p:nvSpPr>
+        <p:spPr>
+          <a:xfrm>
+            <a:off x="261646" y="3484163"/>
+            <a:ext cx="5676839" cy="369332"/>
+          </a:xfrm>
+          <a:prstGeom prst="rect">
+            <a:avLst/>
+          </a:prstGeom>
+          <a:noFill/>
+        </p:spPr>
+        <p:txBody>
+          <a:bodyPr wrap="square">
+            <a:spAutoFit/>
+          </a:bodyPr>
+          <a:lstStyle/>
+          <a:p>
+            <a:r>
+              <a:rPr lang="es-PY" dirty="0"/>
+              <a:t>https://ead.pol.una.py/politecnica/course/view.php?id=7184</a:t>
             </a:r>
           </a:p>
         </p:txBody>
